--- a/ClassMaterials/EventBasedProgramming/Slides/Part2-EventBasedProgramming.pptx
+++ b/ClassMaterials/EventBasedProgramming/Slides/Part2-EventBasedProgramming.pptx
@@ -358,7 +358,7 @@
               <a:pPr>
                 <a:defRPr/>
               </a:pPr>
-              <a:t>11/20/22</a:t>
+              <a:t>1/15/2024</a:t>
             </a:fld>
             <a:endParaRPr lang="en-US"/>
           </a:p>
@@ -593,7 +593,7 @@
               <a:pPr>
                 <a:defRPr/>
               </a:pPr>
-              <a:t>11/20/22</a:t>
+              <a:t>1/15/2024</a:t>
             </a:fld>
             <a:endParaRPr lang="en-US"/>
           </a:p>
@@ -976,7 +976,7 @@
           </a:ln>
           <a:extLst>
             <a:ext uri="{909E8E84-426E-40dd-AFC4-6F175D3DCCD1}">
-              <a14:hiddenFill xmlns:a14="http://schemas.microsoft.com/office/drawing/2010/main" xmlns="">
+              <a14:hiddenFill xmlns="" xmlns:a14="http://schemas.microsoft.com/office/drawing/2010/main">
                 <a:solidFill>
                   <a:srgbClr val="FFFFFF"/>
                 </a:solidFill>
@@ -1000,14 +1000,14 @@
           <a:ln/>
           <a:extLst>
             <a:ext uri="{909E8E84-426E-40dd-AFC4-6F175D3DCCD1}">
-              <a14:hiddenFill xmlns:a14="http://schemas.microsoft.com/office/drawing/2010/main" xmlns="">
+              <a14:hiddenFill xmlns="" xmlns:a14="http://schemas.microsoft.com/office/drawing/2010/main">
                 <a:solidFill>
                   <a:srgbClr val="FFFFFF"/>
                 </a:solidFill>
               </a14:hiddenFill>
             </a:ext>
             <a:ext uri="{91240B29-F687-4f45-9708-019B960494DF}">
-              <a14:hiddenLine xmlns:a14="http://schemas.microsoft.com/office/drawing/2010/main" xmlns="" w="9525">
+              <a14:hiddenLine xmlns="" xmlns:a14="http://schemas.microsoft.com/office/drawing/2010/main" w="9525">
                 <a:solidFill>
                   <a:srgbClr val="000000"/>
                 </a:solidFill>
@@ -1088,14 +1088,14 @@
           <a:ln/>
           <a:extLst>
             <a:ext uri="{909E8E84-426E-40dd-AFC4-6F175D3DCCD1}">
-              <a14:hiddenFill xmlns:a14="http://schemas.microsoft.com/office/drawing/2010/main" xmlns="">
+              <a14:hiddenFill xmlns="" xmlns:a14="http://schemas.microsoft.com/office/drawing/2010/main">
                 <a:solidFill>
                   <a:srgbClr val="FFFFFF"/>
                 </a:solidFill>
               </a14:hiddenFill>
             </a:ext>
             <a:ext uri="{91240B29-F687-4f45-9708-019B960494DF}">
-              <a14:hiddenLine xmlns:a14="http://schemas.microsoft.com/office/drawing/2010/main" xmlns="" w="9525">
+              <a14:hiddenLine xmlns="" xmlns:a14="http://schemas.microsoft.com/office/drawing/2010/main" w="9525">
                 <a:solidFill>
                   <a:srgbClr val="000000"/>
                 </a:solidFill>
@@ -1569,7 +1569,7 @@
           </a:ln>
           <a:extLst>
             <a:ext uri="{909E8E84-426E-40dd-AFC4-6F175D3DCCD1}">
-              <a14:hiddenFill xmlns:a14="http://schemas.microsoft.com/office/drawing/2010/main" xmlns="">
+              <a14:hiddenFill xmlns="" xmlns:a14="http://schemas.microsoft.com/office/drawing/2010/main">
                 <a:solidFill>
                   <a:srgbClr val="FFFFFF"/>
                 </a:solidFill>
@@ -1593,14 +1593,14 @@
           <a:ln/>
           <a:extLst>
             <a:ext uri="{909E8E84-426E-40dd-AFC4-6F175D3DCCD1}">
-              <a14:hiddenFill xmlns:a14="http://schemas.microsoft.com/office/drawing/2010/main" xmlns="">
+              <a14:hiddenFill xmlns="" xmlns:a14="http://schemas.microsoft.com/office/drawing/2010/main">
                 <a:solidFill>
                   <a:srgbClr val="FFFFFF"/>
                 </a:solidFill>
               </a14:hiddenFill>
             </a:ext>
             <a:ext uri="{91240B29-F687-4f45-9708-019B960494DF}">
-              <a14:hiddenLine xmlns:a14="http://schemas.microsoft.com/office/drawing/2010/main" xmlns="" w="9525">
+              <a14:hiddenLine xmlns="" xmlns:a14="http://schemas.microsoft.com/office/drawing/2010/main" w="9525">
                 <a:solidFill>
                   <a:srgbClr val="000000"/>
                 </a:solidFill>
@@ -1636,76 +1636,6 @@
             </a:pPr>
             <a:endParaRPr lang="en-US" dirty="0"/>
           </a:p>
-          <a:p>
-            <a:r>
-              <a:rPr lang="en-US" dirty="0"/>
-              <a:t>[[[Probably</a:t>
-            </a:r>
-            <a:r>
-              <a:rPr lang="en-US" baseline="0" dirty="0"/>
-              <a:t> w</a:t>
-            </a:r>
-            <a:r>
-              <a:rPr lang="en-US" dirty="0"/>
-              <a:t>on’t have time</a:t>
-            </a:r>
-            <a:r>
-              <a:rPr lang="en-US" baseline="0" dirty="0"/>
-              <a:t> to</a:t>
-            </a:r>
-            <a:r>
-              <a:rPr lang="en-US" dirty="0"/>
-              <a:t> add </a:t>
-            </a:r>
-            <a:r>
-              <a:rPr lang="en-US" dirty="0" err="1"/>
-              <a:t>LinearCharges</a:t>
-            </a:r>
-            <a:r>
-              <a:rPr lang="en-US" dirty="0"/>
-              <a:t> to space.  Just use </a:t>
-            </a:r>
-            <a:r>
-              <a:rPr lang="en-US" dirty="0" err="1"/>
-              <a:t>mouseClicked</a:t>
-            </a:r>
-            <a:r>
-              <a:rPr lang="en-US" dirty="0"/>
-              <a:t> to add </a:t>
-            </a:r>
-            <a:r>
-              <a:rPr lang="en-US" dirty="0" err="1"/>
-              <a:t>PointCharges</a:t>
-            </a:r>
-            <a:r>
-              <a:rPr lang="en-US" dirty="0"/>
-              <a:t>.</a:t>
-            </a:r>
-            <a:r>
-              <a:rPr lang="en-US" baseline="0" dirty="0"/>
-              <a:t>  T</a:t>
-            </a:r>
-            <a:r>
-              <a:rPr lang="en-US" dirty="0"/>
-              <a:t>alk about issues we would need to address for </a:t>
-            </a:r>
-            <a:r>
-              <a:rPr lang="en-US" dirty="0" err="1"/>
-              <a:t>LinearCharges</a:t>
-            </a:r>
-            <a:r>
-              <a:rPr lang="en-US" dirty="0"/>
-              <a:t>,</a:t>
-            </a:r>
-            <a:r>
-              <a:rPr lang="en-US" baseline="0" dirty="0"/>
-              <a:t> like tracking down location and seeing if up location is different.</a:t>
-            </a:r>
-            <a:r>
-              <a:rPr lang="en-US" dirty="0"/>
-              <a:t>]</a:t>
-            </a:r>
-          </a:p>
         </p:txBody>
       </p:sp>
       <p:sp>
@@ -1723,14 +1653,14 @@
           <a:ln/>
           <a:extLst>
             <a:ext uri="{909E8E84-426E-40dd-AFC4-6F175D3DCCD1}">
-              <a14:hiddenFill xmlns:a14="http://schemas.microsoft.com/office/drawing/2010/main" xmlns="">
+              <a14:hiddenFill xmlns="" xmlns:a14="http://schemas.microsoft.com/office/drawing/2010/main">
                 <a:solidFill>
                   <a:srgbClr val="FFFFFF"/>
                 </a:solidFill>
               </a14:hiddenFill>
             </a:ext>
             <a:ext uri="{91240B29-F687-4f45-9708-019B960494DF}">
-              <a14:hiddenLine xmlns:a14="http://schemas.microsoft.com/office/drawing/2010/main" xmlns="" w="9525">
+              <a14:hiddenLine xmlns="" xmlns:a14="http://schemas.microsoft.com/office/drawing/2010/main" w="9525">
                 <a:solidFill>
                   <a:srgbClr val="000000"/>
                 </a:solidFill>
@@ -1917,7 +1847,7 @@
           </a:ln>
           <a:extLst>
             <a:ext uri="{909E8E84-426E-40dd-AFC4-6F175D3DCCD1}">
-              <a14:hiddenFill xmlns:a14="http://schemas.microsoft.com/office/drawing/2010/main" xmlns="">
+              <a14:hiddenFill xmlns="" xmlns:a14="http://schemas.microsoft.com/office/drawing/2010/main">
                 <a:solidFill>
                   <a:srgbClr val="FFFFFF"/>
                 </a:solidFill>
@@ -1941,14 +1871,14 @@
           <a:ln/>
           <a:extLst>
             <a:ext uri="{909E8E84-426E-40dd-AFC4-6F175D3DCCD1}">
-              <a14:hiddenFill xmlns:a14="http://schemas.microsoft.com/office/drawing/2010/main" xmlns="">
+              <a14:hiddenFill xmlns="" xmlns:a14="http://schemas.microsoft.com/office/drawing/2010/main">
                 <a:solidFill>
                   <a:srgbClr val="FFFFFF"/>
                 </a:solidFill>
               </a14:hiddenFill>
             </a:ext>
             <a:ext uri="{91240B29-F687-4f45-9708-019B960494DF}">
-              <a14:hiddenLine xmlns:a14="http://schemas.microsoft.com/office/drawing/2010/main" xmlns="" w="9525">
+              <a14:hiddenLine xmlns="" xmlns:a14="http://schemas.microsoft.com/office/drawing/2010/main" w="9525">
                 <a:solidFill>
                   <a:srgbClr val="000000"/>
                 </a:solidFill>
@@ -1991,14 +1921,14 @@
           <a:ln/>
           <a:extLst>
             <a:ext uri="{909E8E84-426E-40dd-AFC4-6F175D3DCCD1}">
-              <a14:hiddenFill xmlns:a14="http://schemas.microsoft.com/office/drawing/2010/main" xmlns="">
+              <a14:hiddenFill xmlns="" xmlns:a14="http://schemas.microsoft.com/office/drawing/2010/main">
                 <a:solidFill>
                   <a:srgbClr val="FFFFFF"/>
                 </a:solidFill>
               </a14:hiddenFill>
             </a:ext>
             <a:ext uri="{91240B29-F687-4f45-9708-019B960494DF}">
-              <a14:hiddenLine xmlns:a14="http://schemas.microsoft.com/office/drawing/2010/main" xmlns="" w="9525">
+              <a14:hiddenLine xmlns="" xmlns:a14="http://schemas.microsoft.com/office/drawing/2010/main" w="9525">
                 <a:solidFill>
                   <a:srgbClr val="000000"/>
                 </a:solidFill>
@@ -2185,7 +2115,7 @@
           </a:ln>
           <a:extLst>
             <a:ext uri="{909E8E84-426E-40dd-AFC4-6F175D3DCCD1}">
-              <a14:hiddenFill xmlns:a14="http://schemas.microsoft.com/office/drawing/2010/main" xmlns="">
+              <a14:hiddenFill xmlns="" xmlns:a14="http://schemas.microsoft.com/office/drawing/2010/main">
                 <a:solidFill>
                   <a:srgbClr val="FFFFFF"/>
                 </a:solidFill>
@@ -2209,14 +2139,14 @@
           <a:ln/>
           <a:extLst>
             <a:ext uri="{909E8E84-426E-40dd-AFC4-6F175D3DCCD1}">
-              <a14:hiddenFill xmlns:a14="http://schemas.microsoft.com/office/drawing/2010/main" xmlns="">
+              <a14:hiddenFill xmlns="" xmlns:a14="http://schemas.microsoft.com/office/drawing/2010/main">
                 <a:solidFill>
                   <a:srgbClr val="FFFFFF"/>
                 </a:solidFill>
               </a14:hiddenFill>
             </a:ext>
             <a:ext uri="{91240B29-F687-4f45-9708-019B960494DF}">
-              <a14:hiddenLine xmlns:a14="http://schemas.microsoft.com/office/drawing/2010/main" xmlns="" w="9525">
+              <a14:hiddenLine xmlns="" xmlns:a14="http://schemas.microsoft.com/office/drawing/2010/main" w="9525">
                 <a:solidFill>
                   <a:srgbClr val="000000"/>
                 </a:solidFill>
@@ -2252,59 +2182,6 @@
               <a:t> to the SOUTH of the JFrame.</a:t>
             </a:r>
           </a:p>
-          <a:p>
-            <a:endParaRPr lang="en-US" dirty="0"/>
-          </a:p>
-          <a:p>
-            <a:r>
-              <a:rPr lang="en-US" dirty="0"/>
-              <a:t>Work on </a:t>
-            </a:r>
-            <a:r>
-              <a:rPr lang="en-US" dirty="0" err="1"/>
-              <a:t>ChargesMain</a:t>
-            </a:r>
-            <a:r>
-              <a:rPr lang="en-US" dirty="0"/>
-              <a:t>:</a:t>
-            </a:r>
-          </a:p>
-          <a:p>
-            <a:r>
-              <a:rPr lang="en-US" dirty="0"/>
-              <a:t>- add </a:t>
-            </a:r>
-            <a:r>
-              <a:rPr lang="en-US" dirty="0" err="1"/>
-              <a:t>JPanel</a:t>
-            </a:r>
-            <a:r>
-              <a:rPr lang="en-US" dirty="0"/>
-              <a:t> and </a:t>
-            </a:r>
-            <a:r>
-              <a:rPr lang="en-US" dirty="0" err="1"/>
-              <a:t>JButtons</a:t>
-            </a:r>
-            <a:r>
-              <a:rPr lang="en-US" dirty="0"/>
-              <a:t>, but no listeners</a:t>
-            </a:r>
-          </a:p>
-          <a:p>
-            <a:r>
-              <a:rPr lang="en-US" dirty="0"/>
-              <a:t>- add zoom in and zoom out listeners, requires </a:t>
-            </a:r>
-            <a:r>
-              <a:rPr lang="en-US" dirty="0" err="1"/>
-              <a:t>mutators</a:t>
-            </a:r>
-            <a:r>
-              <a:rPr lang="en-US" dirty="0"/>
-              <a:t> in Space also</a:t>
-            </a:r>
-          </a:p>
         </p:txBody>
       </p:sp>
       <p:sp>
@@ -2322,14 +2199,14 @@
           <a:ln/>
           <a:extLst>
             <a:ext uri="{909E8E84-426E-40dd-AFC4-6F175D3DCCD1}">
-              <a14:hiddenFill xmlns:a14="http://schemas.microsoft.com/office/drawing/2010/main" xmlns="">
+              <a14:hiddenFill xmlns="" xmlns:a14="http://schemas.microsoft.com/office/drawing/2010/main">
                 <a:solidFill>
                   <a:srgbClr val="FFFFFF"/>
                 </a:solidFill>
               </a14:hiddenFill>
             </a:ext>
             <a:ext uri="{91240B29-F687-4f45-9708-019B960494DF}">
-              <a14:hiddenLine xmlns:a14="http://schemas.microsoft.com/office/drawing/2010/main" xmlns="" w="9525">
+              <a14:hiddenLine xmlns="" xmlns:a14="http://schemas.microsoft.com/office/drawing/2010/main" w="9525">
                 <a:solidFill>
                   <a:srgbClr val="000000"/>
                 </a:solidFill>
@@ -2516,7 +2393,7 @@
           </a:ln>
           <a:extLst>
             <a:ext uri="{909E8E84-426E-40dd-AFC4-6F175D3DCCD1}">
-              <a14:hiddenFill xmlns:a14="http://schemas.microsoft.com/office/drawing/2010/main" xmlns="">
+              <a14:hiddenFill xmlns="" xmlns:a14="http://schemas.microsoft.com/office/drawing/2010/main">
                 <a:solidFill>
                   <a:srgbClr val="FFFFFF"/>
                 </a:solidFill>
@@ -2540,14 +2417,14 @@
           <a:ln/>
           <a:extLst>
             <a:ext uri="{909E8E84-426E-40dd-AFC4-6F175D3DCCD1}">
-              <a14:hiddenFill xmlns:a14="http://schemas.microsoft.com/office/drawing/2010/main" xmlns="">
+              <a14:hiddenFill xmlns="" xmlns:a14="http://schemas.microsoft.com/office/drawing/2010/main">
                 <a:solidFill>
                   <a:srgbClr val="FFFFFF"/>
                 </a:solidFill>
               </a14:hiddenFill>
             </a:ext>
             <a:ext uri="{91240B29-F687-4f45-9708-019B960494DF}">
-              <a14:hiddenLine xmlns:a14="http://schemas.microsoft.com/office/drawing/2010/main" xmlns="" w="9525">
+              <a14:hiddenLine xmlns="" xmlns:a14="http://schemas.microsoft.com/office/drawing/2010/main" w="9525">
                 <a:solidFill>
                   <a:srgbClr val="000000"/>
                 </a:solidFill>
@@ -2630,14 +2507,14 @@
           <a:ln/>
           <a:extLst>
             <a:ext uri="{909E8E84-426E-40dd-AFC4-6F175D3DCCD1}">
-              <a14:hiddenFill xmlns:a14="http://schemas.microsoft.com/office/drawing/2010/main" xmlns="">
+              <a14:hiddenFill xmlns="" xmlns:a14="http://schemas.microsoft.com/office/drawing/2010/main">
                 <a:solidFill>
                   <a:srgbClr val="FFFFFF"/>
                 </a:solidFill>
               </a14:hiddenFill>
             </a:ext>
             <a:ext uri="{91240B29-F687-4f45-9708-019B960494DF}">
-              <a14:hiddenLine xmlns:a14="http://schemas.microsoft.com/office/drawing/2010/main" xmlns="" w="9525">
+              <a14:hiddenLine xmlns="" xmlns:a14="http://schemas.microsoft.com/office/drawing/2010/main" w="9525">
                 <a:solidFill>
                   <a:srgbClr val="000000"/>
                 </a:solidFill>
@@ -2824,7 +2701,7 @@
           </a:ln>
           <a:extLst>
             <a:ext uri="{909E8E84-426E-40dd-AFC4-6F175D3DCCD1}">
-              <a14:hiddenFill xmlns:a14="http://schemas.microsoft.com/office/drawing/2010/main" xmlns="">
+              <a14:hiddenFill xmlns="" xmlns:a14="http://schemas.microsoft.com/office/drawing/2010/main">
                 <a:solidFill>
                   <a:srgbClr val="FFFFFF"/>
                 </a:solidFill>
@@ -2848,14 +2725,14 @@
           <a:ln/>
           <a:extLst>
             <a:ext uri="{909E8E84-426E-40dd-AFC4-6F175D3DCCD1}">
-              <a14:hiddenFill xmlns:a14="http://schemas.microsoft.com/office/drawing/2010/main" xmlns="">
+              <a14:hiddenFill xmlns="" xmlns:a14="http://schemas.microsoft.com/office/drawing/2010/main">
                 <a:solidFill>
                   <a:srgbClr val="FFFFFF"/>
                 </a:solidFill>
               </a14:hiddenFill>
             </a:ext>
             <a:ext uri="{91240B29-F687-4f45-9708-019B960494DF}">
-              <a14:hiddenLine xmlns:a14="http://schemas.microsoft.com/office/drawing/2010/main" xmlns="" w="9525">
+              <a14:hiddenLine xmlns="" xmlns:a14="http://schemas.microsoft.com/office/drawing/2010/main" w="9525">
                 <a:solidFill>
                   <a:srgbClr val="000000"/>
                 </a:solidFill>
@@ -2892,14 +2769,14 @@
           <a:ln/>
           <a:extLst>
             <a:ext uri="{909E8E84-426E-40dd-AFC4-6F175D3DCCD1}">
-              <a14:hiddenFill xmlns:a14="http://schemas.microsoft.com/office/drawing/2010/main" xmlns="">
+              <a14:hiddenFill xmlns="" xmlns:a14="http://schemas.microsoft.com/office/drawing/2010/main">
                 <a:solidFill>
                   <a:srgbClr val="FFFFFF"/>
                 </a:solidFill>
               </a14:hiddenFill>
             </a:ext>
             <a:ext uri="{91240B29-F687-4f45-9708-019B960494DF}">
-              <a14:hiddenLine xmlns:a14="http://schemas.microsoft.com/office/drawing/2010/main" xmlns="" w="9525">
+              <a14:hiddenLine xmlns="" xmlns:a14="http://schemas.microsoft.com/office/drawing/2010/main" w="9525">
                 <a:solidFill>
                   <a:srgbClr val="000000"/>
                 </a:solidFill>
@@ -3086,7 +2963,7 @@
           </a:ln>
           <a:extLst>
             <a:ext uri="{909E8E84-426E-40dd-AFC4-6F175D3DCCD1}">
-              <a14:hiddenFill xmlns:a14="http://schemas.microsoft.com/office/drawing/2010/main" xmlns="">
+              <a14:hiddenFill xmlns="" xmlns:a14="http://schemas.microsoft.com/office/drawing/2010/main">
                 <a:solidFill>
                   <a:srgbClr val="FFFFFF"/>
                 </a:solidFill>
@@ -3110,14 +2987,14 @@
           <a:ln/>
           <a:extLst>
             <a:ext uri="{909E8E84-426E-40dd-AFC4-6F175D3DCCD1}">
-              <a14:hiddenFill xmlns:a14="http://schemas.microsoft.com/office/drawing/2010/main" xmlns="">
+              <a14:hiddenFill xmlns="" xmlns:a14="http://schemas.microsoft.com/office/drawing/2010/main">
                 <a:solidFill>
                   <a:srgbClr val="FFFFFF"/>
                 </a:solidFill>
               </a14:hiddenFill>
             </a:ext>
             <a:ext uri="{91240B29-F687-4f45-9708-019B960494DF}">
-              <a14:hiddenLine xmlns:a14="http://schemas.microsoft.com/office/drawing/2010/main" xmlns="" w="9525">
+              <a14:hiddenLine xmlns="" xmlns:a14="http://schemas.microsoft.com/office/drawing/2010/main" w="9525">
                 <a:solidFill>
                   <a:srgbClr val="000000"/>
                 </a:solidFill>
@@ -3153,6 +3030,57 @@
               <a:t>.</a:t>
             </a:r>
           </a:p>
+          <a:p>
+            <a:endParaRPr lang="en-US" dirty="0"/>
+          </a:p>
+          <a:p>
+            <a:r>
+              <a:rPr lang="en-US" sz="1800" dirty="0" err="1">
+                <a:solidFill>
+                  <a:srgbClr val="000000"/>
+                </a:solidFill>
+                <a:latin typeface="Consolas" panose="020B0609020204030204" pitchFamily="49" charset="0"/>
+              </a:rPr>
+              <a:t>JOptionPane.</a:t>
+            </a:r>
+            <a:r>
+              <a:rPr lang="en-US" sz="1800" i="1" dirty="0" err="1">
+                <a:solidFill>
+                  <a:srgbClr val="000000"/>
+                </a:solidFill>
+                <a:latin typeface="Consolas" panose="020B0609020204030204" pitchFamily="49" charset="0"/>
+              </a:rPr>
+              <a:t>showInputDialog</a:t>
+            </a:r>
+            <a:r>
+              <a:rPr lang="en-US" sz="1800" i="1" dirty="0">
+                <a:solidFill>
+                  <a:srgbClr val="000000"/>
+                </a:solidFill>
+                <a:latin typeface="Consolas" panose="020B0609020204030204" pitchFamily="49" charset="0"/>
+              </a:rPr>
+              <a:t>(</a:t>
+            </a:r>
+            <a:r>
+              <a:rPr lang="en-US" sz="1800" i="1" dirty="0">
+                <a:solidFill>
+                  <a:srgbClr val="2A00FF"/>
+                </a:solidFill>
+                <a:latin typeface="Consolas" panose="020B0609020204030204" pitchFamily="49" charset="0"/>
+              </a:rPr>
+              <a:t>"What does the porridge taste like? "</a:t>
+            </a:r>
+            <a:r>
+              <a:rPr lang="en-US" sz="1800" i="1" dirty="0">
+                <a:solidFill>
+                  <a:srgbClr val="000000"/>
+                </a:solidFill>
+                <a:latin typeface="Consolas" panose="020B0609020204030204" pitchFamily="49" charset="0"/>
+              </a:rPr>
+              <a:t>);</a:t>
+            </a:r>
+            <a:endParaRPr lang="en-US" dirty="0"/>
+          </a:p>
         </p:txBody>
       </p:sp>
       <p:sp>
@@ -3170,14 +3098,14 @@
           <a:ln/>
           <a:extLst>
             <a:ext uri="{909E8E84-426E-40dd-AFC4-6F175D3DCCD1}">
-              <a14:hiddenFill xmlns:a14="http://schemas.microsoft.com/office/drawing/2010/main" xmlns="">
+              <a14:hiddenFill xmlns="" xmlns:a14="http://schemas.microsoft.com/office/drawing/2010/main">
                 <a:solidFill>
                   <a:srgbClr val="FFFFFF"/>
                 </a:solidFill>
               </a14:hiddenFill>
             </a:ext>
             <a:ext uri="{91240B29-F687-4f45-9708-019B960494DF}">
-              <a14:hiddenLine xmlns:a14="http://schemas.microsoft.com/office/drawing/2010/main" xmlns="" w="9525">
+              <a14:hiddenLine xmlns="" xmlns:a14="http://schemas.microsoft.com/office/drawing/2010/main" w="9525">
                 <a:solidFill>
                   <a:srgbClr val="000000"/>
                 </a:solidFill>
@@ -3364,7 +3292,7 @@
           </a:ln>
           <a:extLst>
             <a:ext uri="{909E8E84-426E-40dd-AFC4-6F175D3DCCD1}">
-              <a14:hiddenFill xmlns:a14="http://schemas.microsoft.com/office/drawing/2010/main" xmlns="">
+              <a14:hiddenFill xmlns="" xmlns:a14="http://schemas.microsoft.com/office/drawing/2010/main">
                 <a:solidFill>
                   <a:srgbClr val="FFFFFF"/>
                 </a:solidFill>
@@ -3388,14 +3316,14 @@
           <a:ln/>
           <a:extLst>
             <a:ext uri="{909E8E84-426E-40dd-AFC4-6F175D3DCCD1}">
-              <a14:hiddenFill xmlns:a14="http://schemas.microsoft.com/office/drawing/2010/main" xmlns="">
+              <a14:hiddenFill xmlns="" xmlns:a14="http://schemas.microsoft.com/office/drawing/2010/main">
                 <a:solidFill>
                   <a:srgbClr val="FFFFFF"/>
                 </a:solidFill>
               </a14:hiddenFill>
             </a:ext>
             <a:ext uri="{91240B29-F687-4f45-9708-019B960494DF}">
-              <a14:hiddenLine xmlns:a14="http://schemas.microsoft.com/office/drawing/2010/main" xmlns="" w="9525">
+              <a14:hiddenLine xmlns="" xmlns:a14="http://schemas.microsoft.com/office/drawing/2010/main" w="9525">
                 <a:solidFill>
                   <a:srgbClr val="000000"/>
                 </a:solidFill>
@@ -3429,14 +3357,14 @@
           <a:ln/>
           <a:extLst>
             <a:ext uri="{909E8E84-426E-40dd-AFC4-6F175D3DCCD1}">
-              <a14:hiddenFill xmlns:a14="http://schemas.microsoft.com/office/drawing/2010/main" xmlns="">
+              <a14:hiddenFill xmlns="" xmlns:a14="http://schemas.microsoft.com/office/drawing/2010/main">
                 <a:solidFill>
                   <a:srgbClr val="FFFFFF"/>
                 </a:solidFill>
               </a14:hiddenFill>
             </a:ext>
             <a:ext uri="{91240B29-F687-4f45-9708-019B960494DF}">
-              <a14:hiddenLine xmlns:a14="http://schemas.microsoft.com/office/drawing/2010/main" xmlns="" w="9525">
+              <a14:hiddenLine xmlns="" xmlns:a14="http://schemas.microsoft.com/office/drawing/2010/main" w="9525">
                 <a:solidFill>
                   <a:srgbClr val="000000"/>
                 </a:solidFill>
@@ -3623,7 +3551,7 @@
           </a:ln>
           <a:extLst>
             <a:ext uri="{909E8E84-426E-40dd-AFC4-6F175D3DCCD1}">
-              <a14:hiddenFill xmlns:a14="http://schemas.microsoft.com/office/drawing/2010/main" xmlns="">
+              <a14:hiddenFill xmlns="" xmlns:a14="http://schemas.microsoft.com/office/drawing/2010/main">
                 <a:solidFill>
                   <a:srgbClr val="FFFFFF"/>
                 </a:solidFill>
@@ -3647,14 +3575,14 @@
           <a:ln/>
           <a:extLst>
             <a:ext uri="{909E8E84-426E-40dd-AFC4-6F175D3DCCD1}">
-              <a14:hiddenFill xmlns:a14="http://schemas.microsoft.com/office/drawing/2010/main" xmlns="">
+              <a14:hiddenFill xmlns="" xmlns:a14="http://schemas.microsoft.com/office/drawing/2010/main">
                 <a:solidFill>
                   <a:srgbClr val="FFFFFF"/>
                 </a:solidFill>
               </a14:hiddenFill>
             </a:ext>
             <a:ext uri="{91240B29-F687-4f45-9708-019B960494DF}">
-              <a14:hiddenLine xmlns:a14="http://schemas.microsoft.com/office/drawing/2010/main" xmlns="" w="9525">
+              <a14:hiddenLine xmlns="" xmlns:a14="http://schemas.microsoft.com/office/drawing/2010/main" w="9525">
                 <a:solidFill>
                   <a:srgbClr val="000000"/>
                 </a:solidFill>
@@ -3730,14 +3658,14 @@
           <a:ln/>
           <a:extLst>
             <a:ext uri="{909E8E84-426E-40dd-AFC4-6F175D3DCCD1}">
-              <a14:hiddenFill xmlns:a14="http://schemas.microsoft.com/office/drawing/2010/main" xmlns="">
+              <a14:hiddenFill xmlns="" xmlns:a14="http://schemas.microsoft.com/office/drawing/2010/main">
                 <a:solidFill>
                   <a:srgbClr val="FFFFFF"/>
                 </a:solidFill>
               </a14:hiddenFill>
             </a:ext>
             <a:ext uri="{91240B29-F687-4f45-9708-019B960494DF}">
-              <a14:hiddenLine xmlns:a14="http://schemas.microsoft.com/office/drawing/2010/main" xmlns="" w="9525">
+              <a14:hiddenLine xmlns="" xmlns:a14="http://schemas.microsoft.com/office/drawing/2010/main" w="9525">
                 <a:solidFill>
                   <a:srgbClr val="000000"/>
                 </a:solidFill>
@@ -4017,7 +3945,7 @@
           </a:ln>
           <a:extLst>
             <a:ext uri="{909E8E84-426E-40dd-AFC4-6F175D3DCCD1}">
-              <a14:hiddenFill xmlns:a14="http://schemas.microsoft.com/office/drawing/2010/main" xmlns="">
+              <a14:hiddenFill xmlns="" xmlns:a14="http://schemas.microsoft.com/office/drawing/2010/main">
                 <a:solidFill>
                   <a:srgbClr val="FFFFFF"/>
                 </a:solidFill>
@@ -4041,14 +3969,14 @@
           <a:ln/>
           <a:extLst>
             <a:ext uri="{909E8E84-426E-40dd-AFC4-6F175D3DCCD1}">
-              <a14:hiddenFill xmlns:a14="http://schemas.microsoft.com/office/drawing/2010/main" xmlns="">
+              <a14:hiddenFill xmlns="" xmlns:a14="http://schemas.microsoft.com/office/drawing/2010/main">
                 <a:solidFill>
                   <a:srgbClr val="FFFFFF"/>
                 </a:solidFill>
               </a14:hiddenFill>
             </a:ext>
             <a:ext uri="{91240B29-F687-4f45-9708-019B960494DF}">
-              <a14:hiddenLine xmlns:a14="http://schemas.microsoft.com/office/drawing/2010/main" xmlns="" w="9525">
+              <a14:hiddenLine xmlns="" xmlns:a14="http://schemas.microsoft.com/office/drawing/2010/main" w="9525">
                 <a:solidFill>
                   <a:srgbClr val="000000"/>
                 </a:solidFill>
@@ -4173,14 +4101,14 @@
           <a:ln/>
           <a:extLst>
             <a:ext uri="{909E8E84-426E-40dd-AFC4-6F175D3DCCD1}">
-              <a14:hiddenFill xmlns:a14="http://schemas.microsoft.com/office/drawing/2010/main" xmlns="">
+              <a14:hiddenFill xmlns="" xmlns:a14="http://schemas.microsoft.com/office/drawing/2010/main">
                 <a:solidFill>
                   <a:srgbClr val="FFFFFF"/>
                 </a:solidFill>
               </a14:hiddenFill>
             </a:ext>
             <a:ext uri="{91240B29-F687-4f45-9708-019B960494DF}">
-              <a14:hiddenLine xmlns:a14="http://schemas.microsoft.com/office/drawing/2010/main" xmlns="" w="9525">
+              <a14:hiddenLine xmlns="" xmlns:a14="http://schemas.microsoft.com/office/drawing/2010/main" w="9525">
                 <a:solidFill>
                   <a:srgbClr val="000000"/>
                 </a:solidFill>
@@ -4809,7 +4737,7 @@
           </a:ln>
           <a:extLst>
             <a:ext uri="{909E8E84-426E-40dd-AFC4-6F175D3DCCD1}">
-              <a14:hiddenFill xmlns:a14="http://schemas.microsoft.com/office/drawing/2010/main" xmlns="">
+              <a14:hiddenFill xmlns="" xmlns:a14="http://schemas.microsoft.com/office/drawing/2010/main">
                 <a:solidFill>
                   <a:srgbClr val="FFFFFF"/>
                 </a:solidFill>
@@ -4833,14 +4761,14 @@
           <a:ln/>
           <a:extLst>
             <a:ext uri="{909E8E84-426E-40dd-AFC4-6F175D3DCCD1}">
-              <a14:hiddenFill xmlns:a14="http://schemas.microsoft.com/office/drawing/2010/main" xmlns="">
+              <a14:hiddenFill xmlns="" xmlns:a14="http://schemas.microsoft.com/office/drawing/2010/main">
                 <a:solidFill>
                   <a:srgbClr val="FFFFFF"/>
                 </a:solidFill>
               </a14:hiddenFill>
             </a:ext>
             <a:ext uri="{91240B29-F687-4f45-9708-019B960494DF}">
-              <a14:hiddenLine xmlns:a14="http://schemas.microsoft.com/office/drawing/2010/main" xmlns="" w="9525">
+              <a14:hiddenLine xmlns="" xmlns:a14="http://schemas.microsoft.com/office/drawing/2010/main" w="9525">
                 <a:solidFill>
                   <a:srgbClr val="000000"/>
                 </a:solidFill>
@@ -4969,14 +4897,14 @@
           <a:ln/>
           <a:extLst>
             <a:ext uri="{909E8E84-426E-40dd-AFC4-6F175D3DCCD1}">
-              <a14:hiddenFill xmlns:a14="http://schemas.microsoft.com/office/drawing/2010/main" xmlns="">
+              <a14:hiddenFill xmlns="" xmlns:a14="http://schemas.microsoft.com/office/drawing/2010/main">
                 <a:solidFill>
                   <a:srgbClr val="FFFFFF"/>
                 </a:solidFill>
               </a14:hiddenFill>
             </a:ext>
             <a:ext uri="{91240B29-F687-4f45-9708-019B960494DF}">
-              <a14:hiddenLine xmlns:a14="http://schemas.microsoft.com/office/drawing/2010/main" xmlns="" w="9525">
+              <a14:hiddenLine xmlns="" xmlns:a14="http://schemas.microsoft.com/office/drawing/2010/main" w="9525">
                 <a:solidFill>
                   <a:srgbClr val="000000"/>
                 </a:solidFill>
@@ -5309,7 +5237,7 @@
               <a:pPr>
                 <a:defRPr/>
               </a:pPr>
-              <a:t>Sunday, November 20, 2022</a:t>
+              <a:t>Monday, January 15, 2024</a:t>
             </a:fld>
             <a:endParaRPr lang="en-US" dirty="0"/>
           </a:p>
@@ -5492,7 +5420,7 @@
               <a:pPr>
                 <a:defRPr/>
               </a:pPr>
-              <a:t>Sunday, November 20, 2022</a:t>
+              <a:t>Monday, January 15, 2024</a:t>
             </a:fld>
             <a:endParaRPr lang="en-US" dirty="0"/>
           </a:p>
@@ -5685,7 +5613,7 @@
               <a:pPr>
                 <a:defRPr/>
               </a:pPr>
-              <a:t>Sunday, November 20, 2022</a:t>
+              <a:t>Monday, January 15, 2024</a:t>
             </a:fld>
             <a:endParaRPr lang="en-US" dirty="0"/>
           </a:p>
@@ -5868,7 +5796,7 @@
               <a:pPr>
                 <a:defRPr/>
               </a:pPr>
-              <a:t>Sunday, November 20, 2022</a:t>
+              <a:t>Monday, January 15, 2024</a:t>
             </a:fld>
             <a:endParaRPr lang="en-US" dirty="0"/>
           </a:p>
@@ -6128,7 +6056,7 @@
               <a:pPr>
                 <a:defRPr/>
               </a:pPr>
-              <a:t>Sunday, November 20, 2022</a:t>
+              <a:t>Monday, January 15, 2024</a:t>
             </a:fld>
             <a:endParaRPr lang="en-US"/>
           </a:p>
@@ -6428,7 +6356,7 @@
               <a:pPr>
                 <a:defRPr/>
               </a:pPr>
-              <a:t>Sunday, November 20, 2022</a:t>
+              <a:t>Monday, January 15, 2024</a:t>
             </a:fld>
             <a:endParaRPr lang="en-US"/>
           </a:p>
@@ -6862,7 +6790,7 @@
               <a:pPr>
                 <a:defRPr/>
               </a:pPr>
-              <a:t>Sunday, November 20, 2022</a:t>
+              <a:t>Monday, January 15, 2024</a:t>
             </a:fld>
             <a:endParaRPr lang="en-US"/>
           </a:p>
@@ -6994,7 +6922,7 @@
               <a:pPr>
                 <a:defRPr/>
               </a:pPr>
-              <a:t>Sunday, November 20, 2022</a:t>
+              <a:t>Monday, January 15, 2024</a:t>
             </a:fld>
             <a:endParaRPr lang="en-US"/>
           </a:p>
@@ -7104,7 +7032,7 @@
               <a:pPr>
                 <a:defRPr/>
               </a:pPr>
-              <a:t>Sunday, November 20, 2022</a:t>
+              <a:t>Monday, January 15, 2024</a:t>
             </a:fld>
             <a:endParaRPr lang="en-US" dirty="0"/>
           </a:p>
@@ -7394,7 +7322,7 @@
               <a:pPr>
                 <a:defRPr/>
               </a:pPr>
-              <a:t>Sunday, November 20, 2022</a:t>
+              <a:t>Monday, January 15, 2024</a:t>
             </a:fld>
             <a:endParaRPr lang="en-US"/>
           </a:p>
@@ -7661,7 +7589,7 @@
               <a:pPr>
                 <a:defRPr/>
               </a:pPr>
-              <a:t>Sunday, November 20, 2022</a:t>
+              <a:t>Monday, January 15, 2024</a:t>
             </a:fld>
             <a:endParaRPr lang="en-US"/>
           </a:p>
@@ -7887,7 +7815,7 @@
               <a:pPr>
                 <a:defRPr/>
               </a:pPr>
-              <a:t>Sunday, November 20, 2022</a:t>
+              <a:t>Monday, January 15, 2024</a:t>
             </a:fld>
             <a:endParaRPr lang="en-US" dirty="0"/>
           </a:p>
@@ -9676,14 +9604,14 @@
           </a:ln>
           <a:extLst>
             <a:ext uri="{909E8E84-426E-40dd-AFC4-6F175D3DCCD1}">
-              <a14:hiddenFill xmlns:a14="http://schemas.microsoft.com/office/drawing/2010/main" xmlns="">
+              <a14:hiddenFill xmlns="" xmlns:a14="http://schemas.microsoft.com/office/drawing/2010/main">
                 <a:solidFill>
                   <a:srgbClr val="FFFFFF"/>
                 </a:solidFill>
               </a14:hiddenFill>
             </a:ext>
             <a:ext uri="{91240B29-F687-4f45-9708-019B960494DF}">
-              <a14:hiddenLine xmlns:a14="http://schemas.microsoft.com/office/drawing/2010/main" xmlns="" w="9525">
+              <a14:hiddenLine xmlns="" xmlns:a14="http://schemas.microsoft.com/office/drawing/2010/main" w="9525">
                 <a:solidFill>
                   <a:srgbClr val="000000"/>
                 </a:solidFill>
@@ -11358,14 +11286,14 @@
           </a:ln>
           <a:extLst>
             <a:ext uri="{909E8E84-426E-40dd-AFC4-6F175D3DCCD1}">
-              <a14:hiddenFill xmlns:a14="http://schemas.microsoft.com/office/drawing/2010/main" xmlns="">
+              <a14:hiddenFill xmlns="" xmlns:a14="http://schemas.microsoft.com/office/drawing/2010/main">
                 <a:solidFill>
                   <a:srgbClr val="FFFFFF"/>
                 </a:solidFill>
               </a14:hiddenFill>
             </a:ext>
             <a:ext uri="{91240B29-F687-4f45-9708-019B960494DF}">
-              <a14:hiddenLine xmlns:a14="http://schemas.microsoft.com/office/drawing/2010/main" xmlns="" w="9525">
+              <a14:hiddenLine xmlns="" xmlns:a14="http://schemas.microsoft.com/office/drawing/2010/main" w="9525">
                 <a:solidFill>
                   <a:srgbClr val="000000"/>
                 </a:solidFill>
@@ -16339,7 +16267,9 @@
         </p:nvSpPr>
         <p:spPr/>
         <p:txBody>
-          <a:bodyPr/>
+          <a:bodyPr>
+            <a:normAutofit fontScale="77500" lnSpcReduction="20000"/>
+          </a:bodyPr>
           <a:lstStyle/>
           <a:p>
             <a:pPr marL="0" indent="0">
@@ -16349,6 +16279,94 @@
               <a:rPr lang="en-US" dirty="0"/>
               <a:t>Breakfast with Goldilocks</a:t>
             </a:r>
+          </a:p>
+          <a:p>
+            <a:pPr marL="0" indent="0">
+              <a:buNone/>
+            </a:pPr>
+            <a:endParaRPr lang="en-US" dirty="0"/>
+          </a:p>
+          <a:p>
+            <a:pPr marL="0" indent="0">
+              <a:buNone/>
+            </a:pPr>
+            <a:endParaRPr lang="en-US" dirty="0"/>
+          </a:p>
+          <a:p>
+            <a:pPr marL="0" indent="0">
+              <a:buNone/>
+            </a:pPr>
+            <a:r>
+              <a:rPr lang="en-US" dirty="0"/>
+              <a:t>If you have trouble importing ActionListener </a:t>
+            </a:r>
+          </a:p>
+          <a:p>
+            <a:pPr marL="0" indent="0">
+              <a:buNone/>
+            </a:pPr>
+            <a:r>
+              <a:rPr lang="en-US" dirty="0"/>
+              <a:t>(inside BreakfastMain.java) with the auto-suggested fix</a:t>
+            </a:r>
+          </a:p>
+          <a:p>
+            <a:pPr marL="0" indent="0">
+              <a:buNone/>
+            </a:pPr>
+            <a:r>
+              <a:rPr lang="en-US" dirty="0"/>
+              <a:t> </a:t>
+            </a:r>
+          </a:p>
+          <a:p>
+            <a:pPr marL="0" indent="0">
+              <a:buNone/>
+            </a:pPr>
+            <a:r>
+              <a:rPr lang="en-US" dirty="0"/>
+              <a:t>The simplest solution seems to be to use the shortcut</a:t>
+            </a:r>
+          </a:p>
+          <a:p>
+            <a:pPr marL="0" indent="0">
+              <a:buNone/>
+            </a:pPr>
+            <a:r>
+              <a:rPr lang="en-US" dirty="0"/>
+              <a:t> </a:t>
+            </a:r>
+          </a:p>
+          <a:p>
+            <a:r>
+              <a:rPr lang="en-US" b="1" dirty="0"/>
+              <a:t>ctrl + shift + o</a:t>
+            </a:r>
+            <a:endParaRPr lang="en-US" dirty="0"/>
+          </a:p>
+          <a:p>
+            <a:pPr marL="0" indent="0">
+              <a:buNone/>
+            </a:pPr>
+            <a:r>
+              <a:rPr lang="en-US" dirty="0"/>
+              <a:t> </a:t>
+            </a:r>
+          </a:p>
+          <a:p>
+            <a:pPr marL="0" indent="0">
+              <a:buNone/>
+            </a:pPr>
+            <a:r>
+              <a:rPr lang="en-US" dirty="0"/>
+              <a:t>which appears to work for everyone.</a:t>
+            </a:r>
+          </a:p>
+          <a:p>
+            <a:pPr marL="0" indent="0">
+              <a:buNone/>
+            </a:pPr>
+            <a:endParaRPr lang="en-US" dirty="0"/>
           </a:p>
           <a:p>
             <a:pPr marL="0" indent="0">
@@ -18044,15 +18062,6 @@
 </file>
 
 <file path=customXml/item2.xml><?xml version="1.0" encoding="utf-8"?>
-<?mso-contentType ?>
-<FormTemplates xmlns="http://schemas.microsoft.com/sharepoint/v3/contenttype/forms">
-  <Display>DocumentLibraryForm</Display>
-  <Edit>DocumentLibraryForm</Edit>
-  <New>DocumentLibraryForm</New>
-</FormTemplates>
-</file>
-
-<file path=customXml/item3.xml><?xml version="1.0" encoding="utf-8"?>
 <ct:contentTypeSchema xmlns:ct="http://schemas.microsoft.com/office/2006/metadata/contentType" xmlns:ma="http://schemas.microsoft.com/office/2006/metadata/properties/metaAttributes" ct:_="" ma:_="" ma:contentTypeName="Document" ma:contentTypeID="0x0101001570BCAAD2E4294F9443DCB038A55380" ma:contentTypeVersion="8" ma:contentTypeDescription="Create a new document." ma:contentTypeScope="" ma:versionID="9523c79d6bab9e2ad858b5223ec5ed94">
   <xsd:schema xmlns:xsd="http://www.w3.org/2001/XMLSchema" xmlns:xs="http://www.w3.org/2001/XMLSchema" xmlns:p="http://schemas.microsoft.com/office/2006/metadata/properties" xmlns:ns2="201674f6-2bdd-4f13-ba1e-424e4aa70473" targetNamespace="http://schemas.microsoft.com/office/2006/metadata/properties" ma:root="true" ma:fieldsID="587afc94f70b507ec5be5f4d78229b0b" ns2:_="">
     <xsd:import namespace="201674f6-2bdd-4f13-ba1e-424e4aa70473"/>
@@ -18222,6 +18231,15 @@
 </ct:contentTypeSchema>
 </file>
 
+<file path=customXml/item3.xml><?xml version="1.0" encoding="utf-8"?>
+<?mso-contentType ?>
+<FormTemplates xmlns="http://schemas.microsoft.com/sharepoint/v3/contenttype/forms">
+  <Display>DocumentLibraryForm</Display>
+  <Edit>DocumentLibraryForm</Edit>
+  <New>DocumentLibraryForm</New>
+</FormTemplates>
+</file>
+
 <file path=customXml/itemProps1.xml><?xml version="1.0" encoding="utf-8"?>
 <ds:datastoreItem xmlns:ds="http://schemas.openxmlformats.org/officeDocument/2006/customXml" ds:itemID="{B113FA4F-E846-4870-AE79-5C873A023D72}">
   <ds:schemaRefs>
@@ -18232,14 +18250,6 @@
 </file>
 
 <file path=customXml/itemProps2.xml><?xml version="1.0" encoding="utf-8"?>
-<ds:datastoreItem xmlns:ds="http://schemas.openxmlformats.org/officeDocument/2006/customXml" ds:itemID="{70758EEA-B2E6-4CA8-BA56-696D7F1CAB51}">
-  <ds:schemaRefs>
-    <ds:schemaRef ds:uri="http://schemas.microsoft.com/sharepoint/v3/contenttype/forms"/>
-  </ds:schemaRefs>
-</ds:datastoreItem>
-</file>
-
-<file path=customXml/itemProps3.xml><?xml version="1.0" encoding="utf-8"?>
 <ds:datastoreItem xmlns:ds="http://schemas.openxmlformats.org/officeDocument/2006/customXml" ds:itemID="{18035FA5-429B-411C-BBE6-AACF126A31F4}">
   <ds:schemaRefs>
     <ds:schemaRef ds:uri="http://schemas.microsoft.com/office/2006/metadata/contentType"/>
@@ -18255,4 +18265,12 @@
     <ds:schemaRef ds:uri="http://schemas.microsoft.com/internal/obd"/>
   </ds:schemaRefs>
 </ds:datastoreItem>
+</file>
+
+<file path=customXml/itemProps3.xml><?xml version="1.0" encoding="utf-8"?>
+<ds:datastoreItem xmlns:ds="http://schemas.openxmlformats.org/officeDocument/2006/customXml" ds:itemID="{70758EEA-B2E6-4CA8-BA56-696D7F1CAB51}">
+  <ds:schemaRefs>
+    <ds:schemaRef ds:uri="http://schemas.microsoft.com/sharepoint/v3/contenttype/forms"/>
+  </ds:schemaRefs>
+</ds:datastoreItem>
 </file>